--- a/@src/Icon/Icon.pptx
+++ b/@src/Icon/Icon.pptx
@@ -5,7 +5,7 @@
     <p:sldMasterId id="2147483648" r:id="rId1"/>
   </p:sldMasterIdLst>
   <p:sldIdLst>
-    <p:sldId id="257" r:id="rId2"/>
+    <p:sldId id="258" r:id="rId2"/>
   </p:sldIdLst>
   <p:sldSz cx="12192000" cy="6858000"/>
   <p:notesSz cx="6858000" cy="9144000"/>
@@ -104,6 +104,11 @@
       </a:defRPr>
     </a:lvl9pPr>
   </p:defaultTextStyle>
+  <p:extLst>
+    <p:ext uri="{EFAFB233-063F-42B5-8137-9DF3F51BA10A}">
+      <p15:sldGuideLst xmlns:p15="http://schemas.microsoft.com/office/powerpoint/2012/main"/>
+    </p:ext>
+  </p:extLst>
 </p:presentation>
 </file>
 
@@ -256,7 +261,7 @@
           <a:p>
             <a:fld id="{A9F6DF00-2BD0-481F-BF79-FCEB511E7285}" type="datetimeFigureOut">
               <a:rPr lang="es-CL" smtClean="0"/>
-              <a:t>04-11-2022</a:t>
+              <a:t>08-11-2022</a:t>
             </a:fld>
             <a:endParaRPr lang="es-CL"/>
           </a:p>
@@ -456,7 +461,7 @@
           <a:p>
             <a:fld id="{A9F6DF00-2BD0-481F-BF79-FCEB511E7285}" type="datetimeFigureOut">
               <a:rPr lang="es-CL" smtClean="0"/>
-              <a:t>04-11-2022</a:t>
+              <a:t>08-11-2022</a:t>
             </a:fld>
             <a:endParaRPr lang="es-CL"/>
           </a:p>
@@ -666,7 +671,7 @@
           <a:p>
             <a:fld id="{A9F6DF00-2BD0-481F-BF79-FCEB511E7285}" type="datetimeFigureOut">
               <a:rPr lang="es-CL" smtClean="0"/>
-              <a:t>04-11-2022</a:t>
+              <a:t>08-11-2022</a:t>
             </a:fld>
             <a:endParaRPr lang="es-CL"/>
           </a:p>
@@ -866,7 +871,7 @@
           <a:p>
             <a:fld id="{A9F6DF00-2BD0-481F-BF79-FCEB511E7285}" type="datetimeFigureOut">
               <a:rPr lang="es-CL" smtClean="0"/>
-              <a:t>04-11-2022</a:t>
+              <a:t>08-11-2022</a:t>
             </a:fld>
             <a:endParaRPr lang="es-CL"/>
           </a:p>
@@ -1142,7 +1147,7 @@
           <a:p>
             <a:fld id="{A9F6DF00-2BD0-481F-BF79-FCEB511E7285}" type="datetimeFigureOut">
               <a:rPr lang="es-CL" smtClean="0"/>
-              <a:t>04-11-2022</a:t>
+              <a:t>08-11-2022</a:t>
             </a:fld>
             <a:endParaRPr lang="es-CL"/>
           </a:p>
@@ -1410,7 +1415,7 @@
           <a:p>
             <a:fld id="{A9F6DF00-2BD0-481F-BF79-FCEB511E7285}" type="datetimeFigureOut">
               <a:rPr lang="es-CL" smtClean="0"/>
-              <a:t>04-11-2022</a:t>
+              <a:t>08-11-2022</a:t>
             </a:fld>
             <a:endParaRPr lang="es-CL"/>
           </a:p>
@@ -1825,7 +1830,7 @@
           <a:p>
             <a:fld id="{A9F6DF00-2BD0-481F-BF79-FCEB511E7285}" type="datetimeFigureOut">
               <a:rPr lang="es-CL" smtClean="0"/>
-              <a:t>04-11-2022</a:t>
+              <a:t>08-11-2022</a:t>
             </a:fld>
             <a:endParaRPr lang="es-CL"/>
           </a:p>
@@ -1967,7 +1972,7 @@
           <a:p>
             <a:fld id="{A9F6DF00-2BD0-481F-BF79-FCEB511E7285}" type="datetimeFigureOut">
               <a:rPr lang="es-CL" smtClean="0"/>
-              <a:t>04-11-2022</a:t>
+              <a:t>08-11-2022</a:t>
             </a:fld>
             <a:endParaRPr lang="es-CL"/>
           </a:p>
@@ -2080,7 +2085,7 @@
           <a:p>
             <a:fld id="{A9F6DF00-2BD0-481F-BF79-FCEB511E7285}" type="datetimeFigureOut">
               <a:rPr lang="es-CL" smtClean="0"/>
-              <a:t>04-11-2022</a:t>
+              <a:t>08-11-2022</a:t>
             </a:fld>
             <a:endParaRPr lang="es-CL"/>
           </a:p>
@@ -2393,7 +2398,7 @@
           <a:p>
             <a:fld id="{A9F6DF00-2BD0-481F-BF79-FCEB511E7285}" type="datetimeFigureOut">
               <a:rPr lang="es-CL" smtClean="0"/>
-              <a:t>04-11-2022</a:t>
+              <a:t>08-11-2022</a:t>
             </a:fld>
             <a:endParaRPr lang="es-CL"/>
           </a:p>
@@ -2682,7 +2687,7 @@
           <a:p>
             <a:fld id="{A9F6DF00-2BD0-481F-BF79-FCEB511E7285}" type="datetimeFigureOut">
               <a:rPr lang="es-CL" smtClean="0"/>
-              <a:t>04-11-2022</a:t>
+              <a:t>08-11-2022</a:t>
             </a:fld>
             <a:endParaRPr lang="es-CL"/>
           </a:p>
@@ -2925,7 +2930,7 @@
           <a:p>
             <a:fld id="{A9F6DF00-2BD0-481F-BF79-FCEB511E7285}" type="datetimeFigureOut">
               <a:rPr lang="es-CL" smtClean="0"/>
-              <a:t>04-11-2022</a:t>
+              <a:t>08-11-2022</a:t>
             </a:fld>
             <a:endParaRPr lang="es-CL"/>
           </a:p>
@@ -3344,10 +3349,10 @@
       </p:grpSpPr>
       <p:grpSp>
         <p:nvGrpSpPr>
-          <p:cNvPr id="13" name="Grupo 12">
-            <a:extLst>
-              <a:ext uri="{FF2B5EF4-FFF2-40B4-BE49-F238E27FC236}">
-                <a16:creationId xmlns:a16="http://schemas.microsoft.com/office/drawing/2014/main" id="{5CAACB51-AE8F-4592-AC10-0F1194812176}"/>
+          <p:cNvPr id="27" name="Grupo 26">
+            <a:extLst>
+              <a:ext uri="{FF2B5EF4-FFF2-40B4-BE49-F238E27FC236}">
+                <a16:creationId xmlns:a16="http://schemas.microsoft.com/office/drawing/2014/main" id="{54408779-B25B-43CF-B76F-90BDDB7A3A31}"/>
               </a:ext>
             </a:extLst>
           </p:cNvPr>
@@ -3356,7 +3361,7 @@
         </p:nvGrpSpPr>
         <p:grpSpPr>
           <a:xfrm>
-            <a:off x="2856000" y="189000"/>
+            <a:off x="2523142" y="120000"/>
             <a:ext cx="6480000" cy="6480000"/>
             <a:chOff x="2856000" y="189000"/>
             <a:chExt cx="6480000" cy="6480000"/>
@@ -3364,10 +3369,10 @@
         </p:grpSpPr>
         <p:sp>
           <p:nvSpPr>
-            <p:cNvPr id="3" name="Elipse 2">
+            <p:cNvPr id="28" name="Elipse 27">
               <a:extLst>
                 <a:ext uri="{FF2B5EF4-FFF2-40B4-BE49-F238E27FC236}">
-                  <a16:creationId xmlns:a16="http://schemas.microsoft.com/office/drawing/2014/main" id="{C1B63CCD-B485-4239-A05C-9F3662F16D6C}"/>
+                  <a16:creationId xmlns:a16="http://schemas.microsoft.com/office/drawing/2014/main" id="{C54B212C-DA76-411F-A237-5DD6AEF34FDC}"/>
                 </a:ext>
               </a:extLst>
             </p:cNvPr>
@@ -3383,7 +3388,231 @@
               <a:avLst/>
             </a:prstGeom>
             <a:solidFill>
-              <a:srgbClr val="750787"/>
+              <a:schemeClr val="tx1"/>
+            </a:solidFill>
+            <a:ln>
+              <a:noFill/>
+            </a:ln>
+          </p:spPr>
+          <p:style>
+            <a:lnRef idx="2">
+              <a:schemeClr val="accent1">
+                <a:shade val="50000"/>
+              </a:schemeClr>
+            </a:lnRef>
+            <a:fillRef idx="1">
+              <a:schemeClr val="accent1"/>
+            </a:fillRef>
+            <a:effectRef idx="0">
+              <a:schemeClr val="accent1"/>
+            </a:effectRef>
+            <a:fontRef idx="minor">
+              <a:schemeClr val="lt1"/>
+            </a:fontRef>
+          </p:style>
+          <p:txBody>
+            <a:bodyPr rtlCol="0" anchor="ctr"/>
+            <a:lstStyle/>
+            <a:p>
+              <a:pPr algn="ctr"/>
+              <a:endParaRPr lang="es-CL" dirty="0">
+                <a:solidFill>
+                  <a:srgbClr val="E40303"/>
+                </a:solidFill>
+              </a:endParaRPr>
+            </a:p>
+          </p:txBody>
+        </p:sp>
+        <p:sp>
+          <p:nvSpPr>
+            <p:cNvPr id="29" name="Arco de bloque 28">
+              <a:extLst>
+                <a:ext uri="{FF2B5EF4-FFF2-40B4-BE49-F238E27FC236}">
+                  <a16:creationId xmlns:a16="http://schemas.microsoft.com/office/drawing/2014/main" id="{3F7185BF-A03E-4C60-95F5-69835F74244F}"/>
+                </a:ext>
+              </a:extLst>
+            </p:cNvPr>
+            <p:cNvSpPr/>
+            <p:nvPr/>
+          </p:nvSpPr>
+          <p:spPr>
+            <a:xfrm rot="2700000">
+              <a:off x="2856000" y="189000"/>
+              <a:ext cx="6480000" cy="6480000"/>
+            </a:xfrm>
+            <a:prstGeom prst="blockArc">
+              <a:avLst/>
+            </a:prstGeom>
+            <a:solidFill>
+              <a:srgbClr val="E40303"/>
+            </a:solidFill>
+            <a:ln>
+              <a:noFill/>
+            </a:ln>
+          </p:spPr>
+          <p:style>
+            <a:lnRef idx="2">
+              <a:schemeClr val="accent1">
+                <a:shade val="50000"/>
+              </a:schemeClr>
+            </a:lnRef>
+            <a:fillRef idx="1">
+              <a:schemeClr val="accent1"/>
+            </a:fillRef>
+            <a:effectRef idx="0">
+              <a:schemeClr val="accent1"/>
+            </a:effectRef>
+            <a:fontRef idx="minor">
+              <a:schemeClr val="lt1"/>
+            </a:fontRef>
+          </p:style>
+          <p:txBody>
+            <a:bodyPr rtlCol="0" anchor="ctr"/>
+            <a:lstStyle/>
+            <a:p>
+              <a:pPr algn="ctr"/>
+              <a:endParaRPr lang="es-CL">
+                <a:solidFill>
+                  <a:schemeClr val="tx1"/>
+                </a:solidFill>
+              </a:endParaRPr>
+            </a:p>
+          </p:txBody>
+        </p:sp>
+        <p:sp>
+          <p:nvSpPr>
+            <p:cNvPr id="30" name="Arco de bloque 29">
+              <a:extLst>
+                <a:ext uri="{FF2B5EF4-FFF2-40B4-BE49-F238E27FC236}">
+                  <a16:creationId xmlns:a16="http://schemas.microsoft.com/office/drawing/2014/main" id="{720034AF-21E8-4F6C-B953-C7B080B4F623}"/>
+                </a:ext>
+              </a:extLst>
+            </p:cNvPr>
+            <p:cNvSpPr/>
+            <p:nvPr/>
+          </p:nvSpPr>
+          <p:spPr>
+            <a:xfrm rot="2700000">
+              <a:off x="3396000" y="729000"/>
+              <a:ext cx="5400000" cy="5400000"/>
+            </a:xfrm>
+            <a:prstGeom prst="blockArc">
+              <a:avLst/>
+            </a:prstGeom>
+            <a:solidFill>
+              <a:srgbClr val="FF8C00"/>
+            </a:solidFill>
+            <a:ln>
+              <a:noFill/>
+            </a:ln>
+          </p:spPr>
+          <p:style>
+            <a:lnRef idx="2">
+              <a:schemeClr val="accent1">
+                <a:shade val="50000"/>
+              </a:schemeClr>
+            </a:lnRef>
+            <a:fillRef idx="1">
+              <a:schemeClr val="accent1"/>
+            </a:fillRef>
+            <a:effectRef idx="0">
+              <a:schemeClr val="accent1"/>
+            </a:effectRef>
+            <a:fontRef idx="minor">
+              <a:schemeClr val="lt1"/>
+            </a:fontRef>
+          </p:style>
+          <p:txBody>
+            <a:bodyPr rtlCol="0" anchor="ctr"/>
+            <a:lstStyle/>
+            <a:p>
+              <a:pPr algn="ctr"/>
+              <a:endParaRPr lang="es-CL">
+                <a:solidFill>
+                  <a:schemeClr val="tx1"/>
+                </a:solidFill>
+              </a:endParaRPr>
+            </a:p>
+          </p:txBody>
+        </p:sp>
+        <p:sp>
+          <p:nvSpPr>
+            <p:cNvPr id="31" name="Arco de bloque 30">
+              <a:extLst>
+                <a:ext uri="{FF2B5EF4-FFF2-40B4-BE49-F238E27FC236}">
+                  <a16:creationId xmlns:a16="http://schemas.microsoft.com/office/drawing/2014/main" id="{21318185-818D-4034-BFFD-89393B6A4426}"/>
+                </a:ext>
+              </a:extLst>
+            </p:cNvPr>
+            <p:cNvSpPr/>
+            <p:nvPr/>
+          </p:nvSpPr>
+          <p:spPr>
+            <a:xfrm rot="2700000">
+              <a:off x="3936000" y="1269000"/>
+              <a:ext cx="4320000" cy="4320000"/>
+            </a:xfrm>
+            <a:prstGeom prst="blockArc">
+              <a:avLst/>
+            </a:prstGeom>
+            <a:solidFill>
+              <a:srgbClr val="FFED00"/>
+            </a:solidFill>
+            <a:ln>
+              <a:noFill/>
+            </a:ln>
+          </p:spPr>
+          <p:style>
+            <a:lnRef idx="2">
+              <a:schemeClr val="accent1">
+                <a:shade val="50000"/>
+              </a:schemeClr>
+            </a:lnRef>
+            <a:fillRef idx="1">
+              <a:schemeClr val="accent1"/>
+            </a:fillRef>
+            <a:effectRef idx="0">
+              <a:schemeClr val="accent1"/>
+            </a:effectRef>
+            <a:fontRef idx="minor">
+              <a:schemeClr val="lt1"/>
+            </a:fontRef>
+          </p:style>
+          <p:txBody>
+            <a:bodyPr rtlCol="0" anchor="ctr"/>
+            <a:lstStyle/>
+            <a:p>
+              <a:pPr algn="ctr"/>
+              <a:endParaRPr lang="es-CL">
+                <a:solidFill>
+                  <a:schemeClr val="tx1"/>
+                </a:solidFill>
+              </a:endParaRPr>
+            </a:p>
+          </p:txBody>
+        </p:sp>
+        <p:sp>
+          <p:nvSpPr>
+            <p:cNvPr id="32" name="Elipse 31">
+              <a:extLst>
+                <a:ext uri="{FF2B5EF4-FFF2-40B4-BE49-F238E27FC236}">
+                  <a16:creationId xmlns:a16="http://schemas.microsoft.com/office/drawing/2014/main" id="{4C891772-5C74-4820-836B-1EB1CCC199EE}"/>
+                </a:ext>
+              </a:extLst>
+            </p:cNvPr>
+            <p:cNvSpPr/>
+            <p:nvPr/>
+          </p:nvSpPr>
+          <p:spPr>
+            <a:xfrm>
+              <a:off x="4476000" y="1809000"/>
+              <a:ext cx="3240000" cy="3240000"/>
+            </a:xfrm>
+            <a:prstGeom prst="ellipse">
+              <a:avLst/>
+            </a:prstGeom>
+            <a:solidFill>
+              <a:srgbClr val="008026"/>
             </a:solidFill>
             <a:ln>
               <a:noFill/>
@@ -3416,10 +3645,10 @@
         </p:sp>
         <p:sp>
           <p:nvSpPr>
-            <p:cNvPr id="7" name="Elipse 6">
+            <p:cNvPr id="33" name="Elipse 32">
               <a:extLst>
                 <a:ext uri="{FF2B5EF4-FFF2-40B4-BE49-F238E27FC236}">
-                  <a16:creationId xmlns:a16="http://schemas.microsoft.com/office/drawing/2014/main" id="{65EFC35E-0AAE-4ED2-A871-FB08FCA2A063}"/>
+                  <a16:creationId xmlns:a16="http://schemas.microsoft.com/office/drawing/2014/main" id="{31D05BAA-3D1B-46B1-9F71-BF1858FF977C}"/>
                 </a:ext>
               </a:extLst>
             </p:cNvPr>
@@ -3428,8 +3657,8 @@
           </p:nvSpPr>
           <p:spPr>
             <a:xfrm>
-              <a:off x="3396000" y="729000"/>
-              <a:ext cx="5400000" cy="5400000"/>
+              <a:off x="5016000" y="2349000"/>
+              <a:ext cx="2160000" cy="2160000"/>
             </a:xfrm>
             <a:prstGeom prst="ellipse">
               <a:avLst/>
@@ -3468,10 +3697,10 @@
         </p:sp>
         <p:sp>
           <p:nvSpPr>
-            <p:cNvPr id="5" name="Elipse 4">
+            <p:cNvPr id="34" name="Elipse 33">
               <a:extLst>
                 <a:ext uri="{FF2B5EF4-FFF2-40B4-BE49-F238E27FC236}">
-                  <a16:creationId xmlns:a16="http://schemas.microsoft.com/office/drawing/2014/main" id="{64496A3F-1D88-47FC-8099-A51B30C44182}"/>
+                  <a16:creationId xmlns:a16="http://schemas.microsoft.com/office/drawing/2014/main" id="{69EE0CEA-E0B3-4BB1-8B3D-207FEA1C5C6B}"/>
                 </a:ext>
               </a:extLst>
             </p:cNvPr>
@@ -3480,8 +3709,305 @@
           </p:nvSpPr>
           <p:spPr>
             <a:xfrm>
+              <a:off x="5556000" y="2889000"/>
+              <a:ext cx="1080000" cy="1080000"/>
+            </a:xfrm>
+            <a:prstGeom prst="ellipse">
+              <a:avLst/>
+            </a:prstGeom>
+            <a:solidFill>
+              <a:srgbClr val="750787"/>
+            </a:solidFill>
+            <a:ln>
+              <a:noFill/>
+            </a:ln>
+          </p:spPr>
+          <p:style>
+            <a:lnRef idx="2">
+              <a:schemeClr val="accent1">
+                <a:shade val="50000"/>
+              </a:schemeClr>
+            </a:lnRef>
+            <a:fillRef idx="1">
+              <a:schemeClr val="accent1"/>
+            </a:fillRef>
+            <a:effectRef idx="0">
+              <a:schemeClr val="accent1"/>
+            </a:effectRef>
+            <a:fontRef idx="minor">
+              <a:schemeClr val="lt1"/>
+            </a:fontRef>
+          </p:style>
+          <p:txBody>
+            <a:bodyPr rtlCol="0" anchor="ctr"/>
+            <a:lstStyle/>
+            <a:p>
+              <a:pPr algn="ctr"/>
+              <a:endParaRPr lang="es-CL"/>
+            </a:p>
+          </p:txBody>
+        </p:sp>
+      </p:grpSp>
+      <p:grpSp>
+        <p:nvGrpSpPr>
+          <p:cNvPr id="35" name="Grupo 34">
+            <a:extLst>
+              <a:ext uri="{FF2B5EF4-FFF2-40B4-BE49-F238E27FC236}">
+                <a16:creationId xmlns:a16="http://schemas.microsoft.com/office/drawing/2014/main" id="{70262BD2-B317-44B2-A631-0A1B85060DD7}"/>
+              </a:ext>
+            </a:extLst>
+          </p:cNvPr>
+          <p:cNvGrpSpPr/>
+          <p:nvPr/>
+        </p:nvGrpSpPr>
+        <p:grpSpPr>
+          <a:xfrm>
+            <a:off x="0" y="0"/>
+            <a:ext cx="360000" cy="360000"/>
+            <a:chOff x="2856000" y="189000"/>
+            <a:chExt cx="6480000" cy="6480000"/>
+          </a:xfrm>
+        </p:grpSpPr>
+        <p:sp>
+          <p:nvSpPr>
+            <p:cNvPr id="36" name="Elipse 35">
+              <a:extLst>
+                <a:ext uri="{FF2B5EF4-FFF2-40B4-BE49-F238E27FC236}">
+                  <a16:creationId xmlns:a16="http://schemas.microsoft.com/office/drawing/2014/main" id="{6CC70EDC-253B-492A-8206-AA2723CCF67A}"/>
+                </a:ext>
+              </a:extLst>
+            </p:cNvPr>
+            <p:cNvSpPr/>
+            <p:nvPr/>
+          </p:nvSpPr>
+          <p:spPr>
+            <a:xfrm>
+              <a:off x="2856000" y="189000"/>
+              <a:ext cx="6480000" cy="6480000"/>
+            </a:xfrm>
+            <a:prstGeom prst="ellipse">
+              <a:avLst/>
+            </a:prstGeom>
+            <a:solidFill>
+              <a:schemeClr val="tx1"/>
+            </a:solidFill>
+            <a:ln>
+              <a:noFill/>
+            </a:ln>
+          </p:spPr>
+          <p:style>
+            <a:lnRef idx="2">
+              <a:schemeClr val="accent1">
+                <a:shade val="50000"/>
+              </a:schemeClr>
+            </a:lnRef>
+            <a:fillRef idx="1">
+              <a:schemeClr val="accent1"/>
+            </a:fillRef>
+            <a:effectRef idx="0">
+              <a:schemeClr val="accent1"/>
+            </a:effectRef>
+            <a:fontRef idx="minor">
+              <a:schemeClr val="lt1"/>
+            </a:fontRef>
+          </p:style>
+          <p:txBody>
+            <a:bodyPr rtlCol="0" anchor="ctr"/>
+            <a:lstStyle/>
+            <a:p>
+              <a:pPr algn="ctr"/>
+              <a:endParaRPr lang="es-CL" dirty="0">
+                <a:solidFill>
+                  <a:srgbClr val="E40303"/>
+                </a:solidFill>
+              </a:endParaRPr>
+            </a:p>
+          </p:txBody>
+        </p:sp>
+        <p:sp>
+          <p:nvSpPr>
+            <p:cNvPr id="37" name="Arco de bloque 36">
+              <a:extLst>
+                <a:ext uri="{FF2B5EF4-FFF2-40B4-BE49-F238E27FC236}">
+                  <a16:creationId xmlns:a16="http://schemas.microsoft.com/office/drawing/2014/main" id="{AF9BD4C6-6FC7-4D47-AA64-E1A66E7A27E3}"/>
+                </a:ext>
+              </a:extLst>
+            </p:cNvPr>
+            <p:cNvSpPr/>
+            <p:nvPr/>
+          </p:nvSpPr>
+          <p:spPr>
+            <a:xfrm rot="2700000">
+              <a:off x="2856000" y="189000"/>
+              <a:ext cx="6480000" cy="6480000"/>
+            </a:xfrm>
+            <a:prstGeom prst="blockArc">
+              <a:avLst/>
+            </a:prstGeom>
+            <a:solidFill>
+              <a:srgbClr val="E40303"/>
+            </a:solidFill>
+            <a:ln>
+              <a:noFill/>
+            </a:ln>
+          </p:spPr>
+          <p:style>
+            <a:lnRef idx="2">
+              <a:schemeClr val="accent1">
+                <a:shade val="50000"/>
+              </a:schemeClr>
+            </a:lnRef>
+            <a:fillRef idx="1">
+              <a:schemeClr val="accent1"/>
+            </a:fillRef>
+            <a:effectRef idx="0">
+              <a:schemeClr val="accent1"/>
+            </a:effectRef>
+            <a:fontRef idx="minor">
+              <a:schemeClr val="lt1"/>
+            </a:fontRef>
+          </p:style>
+          <p:txBody>
+            <a:bodyPr rtlCol="0" anchor="ctr"/>
+            <a:lstStyle/>
+            <a:p>
+              <a:pPr algn="ctr"/>
+              <a:endParaRPr lang="es-CL">
+                <a:solidFill>
+                  <a:schemeClr val="tx1"/>
+                </a:solidFill>
+              </a:endParaRPr>
+            </a:p>
+          </p:txBody>
+        </p:sp>
+        <p:sp>
+          <p:nvSpPr>
+            <p:cNvPr id="38" name="Arco de bloque 37">
+              <a:extLst>
+                <a:ext uri="{FF2B5EF4-FFF2-40B4-BE49-F238E27FC236}">
+                  <a16:creationId xmlns:a16="http://schemas.microsoft.com/office/drawing/2014/main" id="{610A689A-BF3C-4AD9-AEE8-F175F1A194EE}"/>
+                </a:ext>
+              </a:extLst>
+            </p:cNvPr>
+            <p:cNvSpPr/>
+            <p:nvPr/>
+          </p:nvSpPr>
+          <p:spPr>
+            <a:xfrm rot="2700000">
+              <a:off x="3396000" y="729000"/>
+              <a:ext cx="5400000" cy="5400000"/>
+            </a:xfrm>
+            <a:prstGeom prst="blockArc">
+              <a:avLst/>
+            </a:prstGeom>
+            <a:solidFill>
+              <a:srgbClr val="FF8C00"/>
+            </a:solidFill>
+            <a:ln>
+              <a:noFill/>
+            </a:ln>
+          </p:spPr>
+          <p:style>
+            <a:lnRef idx="2">
+              <a:schemeClr val="accent1">
+                <a:shade val="50000"/>
+              </a:schemeClr>
+            </a:lnRef>
+            <a:fillRef idx="1">
+              <a:schemeClr val="accent1"/>
+            </a:fillRef>
+            <a:effectRef idx="0">
+              <a:schemeClr val="accent1"/>
+            </a:effectRef>
+            <a:fontRef idx="minor">
+              <a:schemeClr val="lt1"/>
+            </a:fontRef>
+          </p:style>
+          <p:txBody>
+            <a:bodyPr rtlCol="0" anchor="ctr"/>
+            <a:lstStyle/>
+            <a:p>
+              <a:pPr algn="ctr"/>
+              <a:endParaRPr lang="es-CL">
+                <a:solidFill>
+                  <a:schemeClr val="tx1"/>
+                </a:solidFill>
+              </a:endParaRPr>
+            </a:p>
+          </p:txBody>
+        </p:sp>
+        <p:sp>
+          <p:nvSpPr>
+            <p:cNvPr id="39" name="Arco de bloque 38">
+              <a:extLst>
+                <a:ext uri="{FF2B5EF4-FFF2-40B4-BE49-F238E27FC236}">
+                  <a16:creationId xmlns:a16="http://schemas.microsoft.com/office/drawing/2014/main" id="{A4E19538-F0C3-4515-ACDC-5E316049B549}"/>
+                </a:ext>
+              </a:extLst>
+            </p:cNvPr>
+            <p:cNvSpPr/>
+            <p:nvPr/>
+          </p:nvSpPr>
+          <p:spPr>
+            <a:xfrm rot="2700000">
               <a:off x="3936000" y="1269000"/>
               <a:ext cx="4320000" cy="4320000"/>
+            </a:xfrm>
+            <a:prstGeom prst="blockArc">
+              <a:avLst/>
+            </a:prstGeom>
+            <a:solidFill>
+              <a:srgbClr val="FFED00"/>
+            </a:solidFill>
+            <a:ln>
+              <a:noFill/>
+            </a:ln>
+          </p:spPr>
+          <p:style>
+            <a:lnRef idx="2">
+              <a:schemeClr val="accent1">
+                <a:shade val="50000"/>
+              </a:schemeClr>
+            </a:lnRef>
+            <a:fillRef idx="1">
+              <a:schemeClr val="accent1"/>
+            </a:fillRef>
+            <a:effectRef idx="0">
+              <a:schemeClr val="accent1"/>
+            </a:effectRef>
+            <a:fontRef idx="minor">
+              <a:schemeClr val="lt1"/>
+            </a:fontRef>
+          </p:style>
+          <p:txBody>
+            <a:bodyPr rtlCol="0" anchor="ctr"/>
+            <a:lstStyle/>
+            <a:p>
+              <a:pPr algn="ctr"/>
+              <a:endParaRPr lang="es-CL">
+                <a:solidFill>
+                  <a:schemeClr val="tx1"/>
+                </a:solidFill>
+              </a:endParaRPr>
+            </a:p>
+          </p:txBody>
+        </p:sp>
+        <p:sp>
+          <p:nvSpPr>
+            <p:cNvPr id="40" name="Elipse 39">
+              <a:extLst>
+                <a:ext uri="{FF2B5EF4-FFF2-40B4-BE49-F238E27FC236}">
+                  <a16:creationId xmlns:a16="http://schemas.microsoft.com/office/drawing/2014/main" id="{D6CD41FE-8838-447B-A010-03165308C781}"/>
+                </a:ext>
+              </a:extLst>
+            </p:cNvPr>
+            <p:cNvSpPr/>
+            <p:nvPr/>
+          </p:nvSpPr>
+          <p:spPr>
+            <a:xfrm>
+              <a:off x="4476000" y="1809000"/>
+              <a:ext cx="3240000" cy="3240000"/>
             </a:xfrm>
             <a:prstGeom prst="ellipse">
               <a:avLst/>
@@ -3520,10 +4046,10 @@
         </p:sp>
         <p:sp>
           <p:nvSpPr>
-            <p:cNvPr id="6" name="Elipse 5">
+            <p:cNvPr id="41" name="Elipse 40">
               <a:extLst>
                 <a:ext uri="{FF2B5EF4-FFF2-40B4-BE49-F238E27FC236}">
-                  <a16:creationId xmlns:a16="http://schemas.microsoft.com/office/drawing/2014/main" id="{6B371642-D48C-4C10-8976-0292297B7448}"/>
+                  <a16:creationId xmlns:a16="http://schemas.microsoft.com/office/drawing/2014/main" id="{8AFAB362-FDB0-4FCC-9ED1-74A5DCB7D242}"/>
                 </a:ext>
               </a:extLst>
             </p:cNvPr>
@@ -3532,14 +4058,14 @@
           </p:nvSpPr>
           <p:spPr>
             <a:xfrm>
-              <a:off x="4476000" y="1809000"/>
-              <a:ext cx="3240000" cy="3240000"/>
+              <a:off x="5016000" y="2349000"/>
+              <a:ext cx="2160000" cy="2160000"/>
             </a:xfrm>
             <a:prstGeom prst="ellipse">
               <a:avLst/>
             </a:prstGeom>
             <a:solidFill>
-              <a:srgbClr val="FFED00"/>
+              <a:srgbClr val="004DFF"/>
             </a:solidFill>
             <a:ln>
               <a:noFill/>
@@ -3572,10 +4098,10 @@
         </p:sp>
         <p:sp>
           <p:nvSpPr>
-            <p:cNvPr id="2" name="Elipse 1">
+            <p:cNvPr id="42" name="Elipse 41">
               <a:extLst>
                 <a:ext uri="{FF2B5EF4-FFF2-40B4-BE49-F238E27FC236}">
-                  <a16:creationId xmlns:a16="http://schemas.microsoft.com/office/drawing/2014/main" id="{AE0AF654-EDE9-400B-92A1-77FFF4FC8A40}"/>
+                  <a16:creationId xmlns:a16="http://schemas.microsoft.com/office/drawing/2014/main" id="{A3464BE7-2291-45F8-BE89-80EB3DA4A7AE}"/>
                 </a:ext>
               </a:extLst>
             </p:cNvPr>
@@ -3584,14 +4110,14 @@
           </p:nvSpPr>
           <p:spPr>
             <a:xfrm>
-              <a:off x="5016000" y="2349000"/>
-              <a:ext cx="2160000" cy="2160000"/>
+              <a:off x="5556000" y="2889000"/>
+              <a:ext cx="1080000" cy="1080000"/>
             </a:xfrm>
             <a:prstGeom prst="ellipse">
               <a:avLst/>
             </a:prstGeom>
             <a:solidFill>
-              <a:srgbClr val="FF8C00"/>
+              <a:srgbClr val="750787"/>
             </a:solidFill>
             <a:ln>
               <a:noFill/>
@@ -3622,177 +4148,11 @@
             </a:p>
           </p:txBody>
         </p:sp>
-        <p:sp>
-          <p:nvSpPr>
-            <p:cNvPr id="4" name="Elipse 3">
-              <a:extLst>
-                <a:ext uri="{FF2B5EF4-FFF2-40B4-BE49-F238E27FC236}">
-                  <a16:creationId xmlns:a16="http://schemas.microsoft.com/office/drawing/2014/main" id="{BDA44697-1B68-4F1D-B1B2-253D41FB0B99}"/>
-                </a:ext>
-              </a:extLst>
-            </p:cNvPr>
-            <p:cNvSpPr/>
-            <p:nvPr/>
-          </p:nvSpPr>
-          <p:spPr>
-            <a:xfrm>
-              <a:off x="5556000" y="2889000"/>
-              <a:ext cx="1080000" cy="1080000"/>
-            </a:xfrm>
-            <a:prstGeom prst="ellipse">
-              <a:avLst/>
-            </a:prstGeom>
-            <a:solidFill>
-              <a:srgbClr val="E40303"/>
-            </a:solidFill>
-            <a:ln>
-              <a:noFill/>
-            </a:ln>
-          </p:spPr>
-          <p:style>
-            <a:lnRef idx="2">
-              <a:schemeClr val="accent1">
-                <a:shade val="50000"/>
-              </a:schemeClr>
-            </a:lnRef>
-            <a:fillRef idx="1">
-              <a:schemeClr val="accent1"/>
-            </a:fillRef>
-            <a:effectRef idx="0">
-              <a:schemeClr val="accent1"/>
-            </a:effectRef>
-            <a:fontRef idx="minor">
-              <a:schemeClr val="lt1"/>
-            </a:fontRef>
-          </p:style>
-          <p:txBody>
-            <a:bodyPr rtlCol="0" anchor="ctr"/>
-            <a:lstStyle/>
-            <a:p>
-              <a:pPr algn="ctr"/>
-              <a:endParaRPr lang="es-CL"/>
-            </a:p>
-          </p:txBody>
-        </p:sp>
-        <p:sp>
-          <p:nvSpPr>
-            <p:cNvPr id="9" name="Arco de bloque 8">
-              <a:extLst>
-                <a:ext uri="{FF2B5EF4-FFF2-40B4-BE49-F238E27FC236}">
-                  <a16:creationId xmlns:a16="http://schemas.microsoft.com/office/drawing/2014/main" id="{02BC0B18-AF39-4690-826C-B0A488C8F594}"/>
-                </a:ext>
-              </a:extLst>
-            </p:cNvPr>
-            <p:cNvSpPr/>
-            <p:nvPr/>
-          </p:nvSpPr>
-          <p:spPr>
-            <a:xfrm rot="-2700000">
-              <a:off x="2856000" y="189000"/>
-              <a:ext cx="6480000" cy="6480000"/>
-            </a:xfrm>
-            <a:prstGeom prst="blockArc">
-              <a:avLst>
-                <a:gd name="adj1" fmla="val 5398427"/>
-                <a:gd name="adj2" fmla="val 0"/>
-                <a:gd name="adj3" fmla="val 25000"/>
-              </a:avLst>
-            </a:prstGeom>
-            <a:solidFill>
-              <a:schemeClr val="tx1"/>
-            </a:solidFill>
-            <a:ln>
-              <a:noFill/>
-            </a:ln>
-          </p:spPr>
-          <p:style>
-            <a:lnRef idx="2">
-              <a:schemeClr val="accent1">
-                <a:shade val="50000"/>
-              </a:schemeClr>
-            </a:lnRef>
-            <a:fillRef idx="1">
-              <a:schemeClr val="accent1"/>
-            </a:fillRef>
-            <a:effectRef idx="0">
-              <a:schemeClr val="accent1"/>
-            </a:effectRef>
-            <a:fontRef idx="minor">
-              <a:schemeClr val="lt1"/>
-            </a:fontRef>
-          </p:style>
-          <p:txBody>
-            <a:bodyPr rtlCol="0" anchor="ctr"/>
-            <a:lstStyle/>
-            <a:p>
-              <a:pPr algn="ctr"/>
-              <a:endParaRPr lang="es-CL">
-                <a:solidFill>
-                  <a:schemeClr val="tx1"/>
-                </a:solidFill>
-              </a:endParaRPr>
-            </a:p>
-          </p:txBody>
-        </p:sp>
-        <p:sp>
-          <p:nvSpPr>
-            <p:cNvPr id="11" name="Rectángulo 10">
-              <a:extLst>
-                <a:ext uri="{FF2B5EF4-FFF2-40B4-BE49-F238E27FC236}">
-                  <a16:creationId xmlns:a16="http://schemas.microsoft.com/office/drawing/2014/main" id="{A695A721-C515-4288-AB15-8C9DE7C140AA}"/>
-                </a:ext>
-              </a:extLst>
-            </p:cNvPr>
-            <p:cNvSpPr/>
-            <p:nvPr/>
-          </p:nvSpPr>
-          <p:spPr>
-            <a:xfrm rot="10800000">
-              <a:off x="3828000" y="1161000"/>
-              <a:ext cx="4536000" cy="4536000"/>
-            </a:xfrm>
-            <a:prstGeom prst="rect">
-              <a:avLst/>
-            </a:prstGeom>
-            <a:noFill/>
-          </p:spPr>
-          <p:txBody>
-            <a:bodyPr wrap="none" lIns="91440" tIns="45720" rIns="91440" bIns="45720" anchor="b">
-              <a:prstTxWarp prst="textCircle">
-                <a:avLst/>
-              </a:prstTxWarp>
-              <a:spAutoFit/>
-            </a:bodyPr>
-            <a:lstStyle/>
-            <a:p>
-              <a:pPr algn="ctr"/>
-              <a:r>
-                <a:rPr lang="es-ES" sz="8000" b="1" spc="50" dirty="0">
-                  <a:ln w="0">
-                    <a:noFill/>
-                  </a:ln>
-                  <a:solidFill>
-                    <a:schemeClr val="bg1"/>
-                  </a:solidFill>
-                </a:rPr>
-                <a:t>c   o   n   l   a   n   g   s</a:t>
-              </a:r>
-              <a:endParaRPr lang="es-ES" sz="8000" b="1" cap="none" spc="50" dirty="0">
-                <a:ln w="0">
-                  <a:noFill/>
-                </a:ln>
-                <a:solidFill>
-                  <a:schemeClr val="bg1"/>
-                </a:solidFill>
-              </a:endParaRPr>
-            </a:p>
-          </p:txBody>
-        </p:sp>
       </p:grpSp>
     </p:spTree>
     <p:extLst>
       <p:ext uri="{BB962C8B-B14F-4D97-AF65-F5344CB8AC3E}">
-        <p14:creationId xmlns:p14="http://schemas.microsoft.com/office/powerpoint/2010/main" val="1938044953"/>
+        <p14:creationId xmlns:p14="http://schemas.microsoft.com/office/powerpoint/2010/main" val="2693424809"/>
       </p:ext>
     </p:extLst>
   </p:cSld>
